--- a/autresDocsAP/ANANGOPLAN.pptx
+++ b/autresDocsAP/ANANGOPLAN.pptx
@@ -130,7 +130,7 @@
   <pc:docChgLst>
     <pc:chgData name="Ange Eric KOUAKOU" userId="2f1daee2547d603c" providerId="LiveId" clId="{C57CE236-69C0-4485-97E7-04A61288A66F}"/>
     <pc:docChg chg="undo custSel addSld modSld">
-      <pc:chgData name="Ange Eric KOUAKOU" userId="2f1daee2547d603c" providerId="LiveId" clId="{C57CE236-69C0-4485-97E7-04A61288A66F}" dt="2023-09-10T15:12:51.041" v="776" actId="20577"/>
+      <pc:chgData name="Ange Eric KOUAKOU" userId="2f1daee2547d603c" providerId="LiveId" clId="{C57CE236-69C0-4485-97E7-04A61288A66F}" dt="2023-09-10T17:27:19.680" v="873" actId="20577"/>
       <pc:docMkLst>
         <pc:docMk/>
       </pc:docMkLst>
@@ -165,13 +165,13 @@
         </pc:spChg>
       </pc:sldChg>
       <pc:sldChg chg="modSp mod">
-        <pc:chgData name="Ange Eric KOUAKOU" userId="2f1daee2547d603c" providerId="LiveId" clId="{C57CE236-69C0-4485-97E7-04A61288A66F}" dt="2023-09-10T14:13:40.654" v="301" actId="20577"/>
+        <pc:chgData name="Ange Eric KOUAKOU" userId="2f1daee2547d603c" providerId="LiveId" clId="{C57CE236-69C0-4485-97E7-04A61288A66F}" dt="2023-09-10T17:23:38.158" v="872" actId="20577"/>
         <pc:sldMkLst>
           <pc:docMk/>
           <pc:sldMk cId="1169902744" sldId="260"/>
         </pc:sldMkLst>
         <pc:spChg chg="mod">
-          <ac:chgData name="Ange Eric KOUAKOU" userId="2f1daee2547d603c" providerId="LiveId" clId="{C57CE236-69C0-4485-97E7-04A61288A66F}" dt="2023-09-10T14:13:40.654" v="301" actId="20577"/>
+          <ac:chgData name="Ange Eric KOUAKOU" userId="2f1daee2547d603c" providerId="LiveId" clId="{C57CE236-69C0-4485-97E7-04A61288A66F}" dt="2023-09-10T17:23:38.158" v="872" actId="20577"/>
           <ac:spMkLst>
             <pc:docMk/>
             <pc:sldMk cId="1169902744" sldId="260"/>
@@ -240,13 +240,28 @@
         </pc:spChg>
       </pc:sldChg>
       <pc:sldChg chg="modSp mod">
-        <pc:chgData name="Ange Eric KOUAKOU" userId="2f1daee2547d603c" providerId="LiveId" clId="{C57CE236-69C0-4485-97E7-04A61288A66F}" dt="2023-09-10T14:13:53.692" v="315" actId="20577"/>
+        <pc:chgData name="Ange Eric KOUAKOU" userId="2f1daee2547d603c" providerId="LiveId" clId="{C57CE236-69C0-4485-97E7-04A61288A66F}" dt="2023-09-10T17:18:57.978" v="869" actId="20577"/>
+        <pc:sldMkLst>
+          <pc:docMk/>
+          <pc:sldMk cId="572612931" sldId="265"/>
+        </pc:sldMkLst>
+        <pc:spChg chg="mod">
+          <ac:chgData name="Ange Eric KOUAKOU" userId="2f1daee2547d603c" providerId="LiveId" clId="{C57CE236-69C0-4485-97E7-04A61288A66F}" dt="2023-09-10T17:18:57.978" v="869" actId="20577"/>
+          <ac:spMkLst>
+            <pc:docMk/>
+            <pc:sldMk cId="572612931" sldId="265"/>
+            <ac:spMk id="2" creationId="{B2F18262-6FE5-6642-DFAC-92D06EAB4C12}"/>
+          </ac:spMkLst>
+        </pc:spChg>
+      </pc:sldChg>
+      <pc:sldChg chg="modSp mod">
+        <pc:chgData name="Ange Eric KOUAKOU" userId="2f1daee2547d603c" providerId="LiveId" clId="{C57CE236-69C0-4485-97E7-04A61288A66F}" dt="2023-09-10T17:27:19.680" v="873" actId="20577"/>
         <pc:sldMkLst>
           <pc:docMk/>
           <pc:sldMk cId="3177153206" sldId="267"/>
         </pc:sldMkLst>
         <pc:spChg chg="mod">
-          <ac:chgData name="Ange Eric KOUAKOU" userId="2f1daee2547d603c" providerId="LiveId" clId="{C57CE236-69C0-4485-97E7-04A61288A66F}" dt="2023-09-10T14:13:53.692" v="315" actId="20577"/>
+          <ac:chgData name="Ange Eric KOUAKOU" userId="2f1daee2547d603c" providerId="LiveId" clId="{C57CE236-69C0-4485-97E7-04A61288A66F}" dt="2023-09-10T17:27:19.680" v="873" actId="20577"/>
           <ac:spMkLst>
             <pc:docMk/>
             <pc:sldMk cId="3177153206" sldId="267"/>
@@ -14024,14 +14039,34 @@
           <a:lstStyle/>
           <a:p>
             <a:r>
-              <a:rPr lang="en-US" sz="5600">
+              <a:rPr lang="en-US" sz="5600" dirty="0">
                 <a:solidFill>
                   <a:srgbClr val="FFFFFF"/>
                 </a:solidFill>
                 <a:latin typeface="Aharoni" panose="02010803020104030203" pitchFamily="2" charset="-79"/>
                 <a:cs typeface="Aharoni" panose="02010803020104030203" pitchFamily="2" charset="-79"/>
               </a:rPr>
-              <a:t>Pour + de details…</a:t>
+              <a:t>Pour + de </a:t>
+            </a:r>
+            <a:r>
+              <a:rPr lang="en-US" sz="5600" dirty="0" err="1">
+                <a:solidFill>
+                  <a:srgbClr val="FFFFFF"/>
+                </a:solidFill>
+                <a:latin typeface="Aharoni" panose="02010803020104030203" pitchFamily="2" charset="-79"/>
+                <a:cs typeface="Aharoni" panose="02010803020104030203" pitchFamily="2" charset="-79"/>
+              </a:rPr>
+              <a:t>détails</a:t>
+            </a:r>
+            <a:r>
+              <a:rPr lang="en-US" sz="5600" dirty="0">
+                <a:solidFill>
+                  <a:srgbClr val="FFFFFF"/>
+                </a:solidFill>
+                <a:latin typeface="Aharoni" panose="02010803020104030203" pitchFamily="2" charset="-79"/>
+                <a:cs typeface="Aharoni" panose="02010803020104030203" pitchFamily="2" charset="-79"/>
+              </a:rPr>
+              <a:t>…</a:t>
             </a:r>
           </a:p>
         </p:txBody>
@@ -17728,7 +17763,7 @@
         <p:spPr>
           <a:xfrm>
             <a:off x="3088640" y="2143760"/>
-            <a:ext cx="8077200" cy="2246769"/>
+            <a:ext cx="8077200" cy="3108543"/>
           </a:xfrm>
           <a:prstGeom prst="rect">
             <a:avLst/>
@@ -17824,26 +17859,26 @@
                 <a:ea typeface="ADLaM Display" panose="02010000000000000000" pitchFamily="2" charset="0"/>
                 <a:cs typeface="ADLaM Display" panose="02010000000000000000" pitchFamily="2" charset="0"/>
               </a:rPr>
-              <a:t>Section </a:t>
-            </a:r>
-            <a:r>
-              <a:rPr lang="en-US" sz="2800" i="1" dirty="0" err="1">
+              <a:t>Page </a:t>
+            </a:r>
+            <a:r>
+              <a:rPr lang="en-US" sz="2800" dirty="0" err="1">
                 <a:latin typeface="ADLaM Display" panose="02010000000000000000" pitchFamily="2" charset="0"/>
                 <a:ea typeface="ADLaM Display" panose="02010000000000000000" pitchFamily="2" charset="0"/>
                 <a:cs typeface="ADLaM Display" panose="02010000000000000000" pitchFamily="2" charset="0"/>
               </a:rPr>
-              <a:t>accueil</a:t>
-            </a:r>
-            <a:endParaRPr lang="en-US" sz="2800" i="1" dirty="0">
+              <a:t>d’accueil</a:t>
+            </a:r>
+            <a:endParaRPr lang="en-US" sz="2800" dirty="0">
               <a:latin typeface="ADLaM Display" panose="02010000000000000000" pitchFamily="2" charset="0"/>
               <a:ea typeface="ADLaM Display" panose="02010000000000000000" pitchFamily="2" charset="0"/>
               <a:cs typeface="ADLaM Display" panose="02010000000000000000" pitchFamily="2" charset="0"/>
             </a:endParaRPr>
           </a:p>
           <a:p>
-            <a:pPr marL="1200150" lvl="2" indent="-285750">
+            <a:pPr marL="1828800" lvl="3" indent="-457200">
               <a:buFont typeface="Wingdings" panose="05000000000000000000" pitchFamily="2" charset="2"/>
-              <a:buChar char="§"/>
+              <a:buChar char="v"/>
             </a:pPr>
             <a:r>
               <a:rPr lang="en-US" sz="2800" dirty="0">
@@ -17854,6 +17889,33 @@
               <a:t>Section </a:t>
             </a:r>
             <a:r>
+              <a:rPr lang="en-US" sz="2800" dirty="0" err="1">
+                <a:latin typeface="ADLaM Display" panose="02010000000000000000" pitchFamily="2" charset="0"/>
+                <a:ea typeface="ADLaM Display" panose="02010000000000000000" pitchFamily="2" charset="0"/>
+                <a:cs typeface="ADLaM Display" panose="02010000000000000000" pitchFamily="2" charset="0"/>
+              </a:rPr>
+              <a:t>d’accroche</a:t>
+            </a:r>
+            <a:endParaRPr lang="en-US" sz="2800" dirty="0">
+              <a:latin typeface="ADLaM Display" panose="02010000000000000000" pitchFamily="2" charset="0"/>
+              <a:ea typeface="ADLaM Display" panose="02010000000000000000" pitchFamily="2" charset="0"/>
+              <a:cs typeface="ADLaM Display" panose="02010000000000000000" pitchFamily="2" charset="0"/>
+            </a:endParaRPr>
+          </a:p>
+          <a:p>
+            <a:pPr marL="1828800" lvl="3" indent="-457200">
+              <a:buFont typeface="Wingdings" panose="05000000000000000000" pitchFamily="2" charset="2"/>
+              <a:buChar char="v"/>
+            </a:pPr>
+            <a:r>
+              <a:rPr lang="en-US" sz="2800" dirty="0">
+                <a:latin typeface="ADLaM Display" panose="02010000000000000000" pitchFamily="2" charset="0"/>
+                <a:ea typeface="ADLaM Display" panose="02010000000000000000" pitchFamily="2" charset="0"/>
+                <a:cs typeface="ADLaM Display" panose="02010000000000000000" pitchFamily="2" charset="0"/>
+              </a:rPr>
+              <a:t>Section </a:t>
+            </a:r>
+            <a:r>
               <a:rPr lang="en-US" sz="2800" i="1" dirty="0">
                 <a:latin typeface="ADLaM Display" panose="02010000000000000000" pitchFamily="2" charset="0"/>
                 <a:ea typeface="ADLaM Display" panose="02010000000000000000" pitchFamily="2" charset="0"/>
@@ -17875,13 +17937,13 @@
                 <a:ea typeface="ADLaM Display" panose="02010000000000000000" pitchFamily="2" charset="0"/>
                 <a:cs typeface="ADLaM Display" panose="02010000000000000000" pitchFamily="2" charset="0"/>
               </a:rPr>
-              <a:t> la compagnie</a:t>
+              <a:t> de la compagnie</a:t>
             </a:r>
           </a:p>
           <a:p>
-            <a:pPr marL="1200150" lvl="2" indent="-285750">
+            <a:pPr marL="1828800" lvl="3" indent="-457200">
               <a:buFont typeface="Wingdings" panose="05000000000000000000" pitchFamily="2" charset="2"/>
-              <a:buChar char="§"/>
+              <a:buChar char="v"/>
             </a:pPr>
             <a:r>
               <a:rPr lang="en-US" sz="2800" dirty="0">
@@ -17897,8 +17959,53 @@
                 <a:ea typeface="ADLaM Display" panose="02010000000000000000" pitchFamily="2" charset="0"/>
                 <a:cs typeface="ADLaM Display" panose="02010000000000000000" pitchFamily="2" charset="0"/>
               </a:rPr>
-              <a:t>contact</a:t>
-            </a:r>
+              <a:t>contact </a:t>
+            </a:r>
+            <a:r>
+              <a:rPr lang="en-US" sz="2800" dirty="0">
+                <a:latin typeface="ADLaM Display" panose="02010000000000000000" pitchFamily="2" charset="0"/>
+                <a:ea typeface="ADLaM Display" panose="02010000000000000000" pitchFamily="2" charset="0"/>
+                <a:cs typeface="ADLaM Display" panose="02010000000000000000" pitchFamily="2" charset="0"/>
+              </a:rPr>
+              <a:t>(</a:t>
+            </a:r>
+            <a:r>
+              <a:rPr lang="en-US" sz="2800" dirty="0" err="1">
+                <a:latin typeface="ADLaM Display" panose="02010000000000000000" pitchFamily="2" charset="0"/>
+                <a:ea typeface="ADLaM Display" panose="02010000000000000000" pitchFamily="2" charset="0"/>
+                <a:cs typeface="ADLaM Display" panose="02010000000000000000" pitchFamily="2" charset="0"/>
+              </a:rPr>
+              <a:t>intégration</a:t>
+            </a:r>
+            <a:r>
+              <a:rPr lang="en-US" sz="2800" dirty="0">
+                <a:latin typeface="ADLaM Display" panose="02010000000000000000" pitchFamily="2" charset="0"/>
+                <a:ea typeface="ADLaM Display" panose="02010000000000000000" pitchFamily="2" charset="0"/>
+                <a:cs typeface="ADLaM Display" panose="02010000000000000000" pitchFamily="2" charset="0"/>
+              </a:rPr>
+              <a:t> medias </a:t>
+            </a:r>
+            <a:r>
+              <a:rPr lang="en-US" sz="2800" dirty="0" err="1">
+                <a:latin typeface="ADLaM Display" panose="02010000000000000000" pitchFamily="2" charset="0"/>
+                <a:ea typeface="ADLaM Display" panose="02010000000000000000" pitchFamily="2" charset="0"/>
+                <a:cs typeface="ADLaM Display" panose="02010000000000000000" pitchFamily="2" charset="0"/>
+              </a:rPr>
+              <a:t>sociaux</a:t>
+            </a:r>
+            <a:r>
+              <a:rPr lang="en-US" sz="2800" dirty="0">
+                <a:latin typeface="ADLaM Display" panose="02010000000000000000" pitchFamily="2" charset="0"/>
+                <a:ea typeface="ADLaM Display" panose="02010000000000000000" pitchFamily="2" charset="0"/>
+                <a:cs typeface="ADLaM Display" panose="02010000000000000000" pitchFamily="2" charset="0"/>
+              </a:rPr>
+              <a:t>)</a:t>
+            </a:r>
+            <a:endParaRPr lang="en-US" sz="2800" i="1" dirty="0">
+              <a:latin typeface="ADLaM Display" panose="02010000000000000000" pitchFamily="2" charset="0"/>
+              <a:ea typeface="ADLaM Display" panose="02010000000000000000" pitchFamily="2" charset="0"/>
+              <a:cs typeface="ADLaM Display" panose="02010000000000000000" pitchFamily="2" charset="0"/>
+            </a:endParaRPr>
           </a:p>
         </p:txBody>
       </p:sp>
@@ -18908,7 +19015,7 @@
                 <a:ea typeface="ADLaM Display" panose="02010000000000000000" pitchFamily="2" charset="0"/>
                 <a:cs typeface="ADLaM Display" panose="02010000000000000000" pitchFamily="2" charset="0"/>
               </a:rPr>
-              <a:t>” du sites</a:t>
+              <a:t>” du site</a:t>
             </a:r>
           </a:p>
           <a:p>
